--- a/Poster_1.pptx
+++ b/Poster_1.pptx
@@ -109,10 +109,10 @@
   </p:defaultTextStyle>
   <p:extLst>
     <p:ext uri="{EFAFB233-063F-42B5-8137-9DF3F51BA10A}">
-      <p15:sldGuideLst xmlns:p15="http://schemas.microsoft.com/office/powerpoint/2012/main"/>
+      <p15:sldGuideLst xmlns:p15="http://schemas.microsoft.com/office/powerpoint/2012/main" xmlns=""/>
     </p:ext>
     <p:ext uri="{2D200454-40CA-4A62-9FC3-DE9A4176ACB9}">
-      <p15:notesGuideLst xmlns:p15="http://schemas.microsoft.com/office/powerpoint/2012/main"/>
+      <p15:notesGuideLst xmlns:p15="http://schemas.microsoft.com/office/powerpoint/2012/main" xmlns=""/>
     </p:ext>
   </p:extLst>
 </p:presentation>
@@ -121,7 +121,7 @@
 <file path=ppt/charts/chart1.xml><?xml version="1.0" encoding="utf-8"?>
 <c:chartSpace xmlns:c="http://schemas.openxmlformats.org/drawingml/2006/chart" xmlns:a="http://schemas.openxmlformats.org/drawingml/2006/main" xmlns:r="http://schemas.openxmlformats.org/officeDocument/2006/relationships">
   <c:date1904 val="0"/>
-  <c:lang val="en-IN"/>
+  <c:lang val="en-US"/>
   <c:roundedCorners val="0"/>
   <mc:AlternateContent xmlns:mc="http://schemas.openxmlformats.org/markup-compatibility/2006">
     <mc:Choice xmlns:c14="http://schemas.microsoft.com/office/drawing/2007/8/2/chart" Requires="c14">
@@ -608,7 +608,7 @@
       <a:endParaRPr lang="en-US"/>
     </a:p>
   </c:txPr>
-  <c:externalData r:id="rId3">
+  <c:externalData r:id="rId1">
     <c:autoUpdate val="0"/>
   </c:externalData>
 </c:chartSpace>
@@ -1255,7 +1255,7 @@
           <a:p>
             <a:fld id="{E10C3F6B-B584-BE48-ABAE-D3A0246B3E9F}" type="datetimeFigureOut">
               <a:rPr lang="en-US" smtClean="0"/>
-              <a:t>7/18/19</a:t>
+              <a:t>18/07/19</a:t>
             </a:fld>
             <a:endParaRPr lang="en-US"/>
           </a:p>
@@ -1738,7 +1738,7 @@
           <a:p>
             <a:fld id="{FDE934FF-F4E1-47C5-9CA5-30A81DDE2BE4}" type="datetimeFigureOut">
               <a:rPr lang="en-US" smtClean="0"/>
-              <a:t>7/18/19</a:t>
+              <a:t>18/07/19</a:t>
             </a:fld>
             <a:endParaRPr lang="en-US"/>
           </a:p>
@@ -1885,7 +1885,7 @@
           <a:p>
             <a:fld id="{FDE934FF-F4E1-47C5-9CA5-30A81DDE2BE4}" type="datetimeFigureOut">
               <a:rPr lang="en-US" smtClean="0"/>
-              <a:t>7/18/19</a:t>
+              <a:t>18/07/19</a:t>
             </a:fld>
             <a:endParaRPr lang="en-US"/>
           </a:p>
@@ -2050,7 +2050,7 @@
           <a:p>
             <a:fld id="{FDE934FF-F4E1-47C5-9CA5-30A81DDE2BE4}" type="datetimeFigureOut">
               <a:rPr lang="en-US" smtClean="0"/>
-              <a:t>7/18/19</a:t>
+              <a:t>18/07/19</a:t>
             </a:fld>
             <a:endParaRPr lang="en-US"/>
           </a:p>
@@ -2291,7 +2291,7 @@
           <a:p>
             <a:fld id="{FDE934FF-F4E1-47C5-9CA5-30A81DDE2BE4}" type="datetimeFigureOut">
               <a:rPr lang="en-US" smtClean="0"/>
-              <a:t>7/18/19</a:t>
+              <a:t>18/07/19</a:t>
             </a:fld>
             <a:endParaRPr lang="en-US"/>
           </a:p>
@@ -2518,7 +2518,7 @@
           <a:p>
             <a:fld id="{FDE934FF-F4E1-47C5-9CA5-30A81DDE2BE4}" type="datetimeFigureOut">
               <a:rPr lang="en-US" smtClean="0"/>
-              <a:t>7/18/19</a:t>
+              <a:t>18/07/19</a:t>
             </a:fld>
             <a:endParaRPr lang="en-US"/>
           </a:p>
@@ -2880,7 +2880,7 @@
           <a:p>
             <a:fld id="{FDE934FF-F4E1-47C5-9CA5-30A81DDE2BE4}" type="datetimeFigureOut">
               <a:rPr lang="en-US" smtClean="0"/>
-              <a:t>7/18/19</a:t>
+              <a:t>18/07/19</a:t>
             </a:fld>
             <a:endParaRPr lang="en-US"/>
           </a:p>
@@ -2993,7 +2993,7 @@
           <a:p>
             <a:fld id="{FDE934FF-F4E1-47C5-9CA5-30A81DDE2BE4}" type="datetimeFigureOut">
               <a:rPr lang="en-US" smtClean="0"/>
-              <a:t>7/18/19</a:t>
+              <a:t>18/07/19</a:t>
             </a:fld>
             <a:endParaRPr lang="en-US"/>
           </a:p>
@@ -3083,7 +3083,7 @@
           <a:p>
             <a:fld id="{FDE934FF-F4E1-47C5-9CA5-30A81DDE2BE4}" type="datetimeFigureOut">
               <a:rPr lang="en-US" smtClean="0"/>
-              <a:t>7/18/19</a:t>
+              <a:t>18/07/19</a:t>
             </a:fld>
             <a:endParaRPr lang="en-US"/>
           </a:p>
@@ -3331,7 +3331,7 @@
           <a:p>
             <a:fld id="{FDE934FF-F4E1-47C5-9CA5-30A81DDE2BE4}" type="datetimeFigureOut">
               <a:rPr lang="en-US" smtClean="0"/>
-              <a:t>7/18/19</a:t>
+              <a:t>18/07/19</a:t>
             </a:fld>
             <a:endParaRPr lang="en-US"/>
           </a:p>
@@ -3387,7 +3387,7 @@
   <p:timing>
     <p:tnLst>
       <p:par>
-        <p:cTn id="1" dur="indefinite" restart="never" nodeType="tmRoot"/>
+        <p:cTn xmlns:p14="http://schemas.microsoft.com/office/powerpoint/2010/main" id="1" dur="indefinite" restart="never" nodeType="tmRoot"/>
       </p:par>
     </p:tnLst>
   </p:timing>
@@ -3513,7 +3513,7 @@
           <a:p>
             <a:fld id="{FDE934FF-F4E1-47C5-9CA5-30A81DDE2BE4}" type="datetimeFigureOut">
               <a:rPr lang="en-US" smtClean="0"/>
-              <a:t>7/18/19</a:t>
+              <a:t>18/07/19</a:t>
             </a:fld>
             <a:endParaRPr lang="en-US"/>
           </a:p>
@@ -3721,7 +3721,7 @@
           <a:p>
             <a:fld id="{FDE934FF-F4E1-47C5-9CA5-30A81DDE2BE4}" type="datetimeFigureOut">
               <a:rPr lang="en-US" smtClean="0"/>
-              <a:t>7/18/19</a:t>
+              <a:t>18/07/19</a:t>
             </a:fld>
             <a:endParaRPr lang="en-US"/>
           </a:p>
@@ -4769,7 +4769,7 @@
         </p:blipFill>
         <p:spPr>
           <a:xfrm>
-            <a:off x="14486009" y="20477985"/>
+            <a:off x="14481217" y="20463607"/>
             <a:ext cx="6466840" cy="3075940"/>
           </a:xfrm>
           <a:prstGeom prst="rect">
@@ -6734,6 +6734,13 @@
   <p:clrMapOvr>
     <a:masterClrMapping/>
   </p:clrMapOvr>
+  <p:timing>
+    <p:tnLst>
+      <p:par>
+        <p:cTn xmlns:p14="http://schemas.microsoft.com/office/powerpoint/2010/main" id="1" dur="indefinite" restart="never" nodeType="tmRoot"/>
+      </p:par>
+    </p:tnLst>
+  </p:timing>
 </p:sld>
 </file>
 
@@ -6992,7 +6999,7 @@
   <a:extraClrSchemeLst/>
   <a:extLst>
     <a:ext uri="{05A4C25C-085E-4340-85A3-A5531E510DB2}">
-      <thm15:themeFamily xmlns:thm15="http://schemas.microsoft.com/office/thememl/2012/main" name="Office Theme" id="{62F939B6-93AF-4DB8-9C6B-D6C7DFDC589F}" vid="{4A3C46E8-61CC-4603-A589-7422A47A8E4A}"/>
+      <thm15:themeFamily xmlns:thm15="http://schemas.microsoft.com/office/thememl/2012/main" xmlns="" name="Office Theme" id="{62F939B6-93AF-4DB8-9C6B-D6C7DFDC589F}" vid="{4A3C46E8-61CC-4603-A589-7422A47A8E4A}"/>
     </a:ext>
   </a:extLst>
 </a:theme>
@@ -7041,7 +7048,7 @@
     </a:clrScheme>
     <a:fontScheme name="Office">
       <a:majorFont>
-        <a:latin typeface="Calibri Light" panose="020F0302020204030204"/>
+        <a:latin typeface="Calibri Light"/>
         <a:ea typeface=""/>
         <a:cs typeface=""/>
         <a:font script="Jpan" typeface="ＭＳ Ｐゴシック"/>
@@ -7076,7 +7083,7 @@
         <a:font script="Geor" typeface="Sylfaen"/>
       </a:majorFont>
       <a:minorFont>
-        <a:latin typeface="Calibri" panose="020F0502020204030204"/>
+        <a:latin typeface="Calibri"/>
         <a:ea typeface=""/>
         <a:cs typeface=""/>
         <a:font script="Jpan" typeface="ＭＳ Ｐゴシック"/>
@@ -7253,7 +7260,7 @@
   <a:extraClrSchemeLst/>
   <a:extLst>
     <a:ext uri="{05A4C25C-085E-4340-85A3-A5531E510DB2}">
-      <thm15:themeFamily xmlns:thm15="http://schemas.microsoft.com/office/thememl/2012/main" name="Office Theme" id="{62F939B6-93AF-4DB8-9C6B-D6C7DFDC589F}" vid="{4A3C46E8-61CC-4603-A589-7422A47A8E4A}"/>
+      <thm15:themeFamily xmlns:thm15="http://schemas.microsoft.com/office/thememl/2012/main" xmlns="" name="Office Theme" id="{62F939B6-93AF-4DB8-9C6B-D6C7DFDC589F}" vid="{4A3C46E8-61CC-4603-A589-7422A47A8E4A}"/>
     </a:ext>
   </a:extLst>
 </a:theme>
